--- a/Sequence/data/210129/Split.pptx
+++ b/Sequence/data/210129/Split.pptx
@@ -111,10 +111,17 @@
         <p14:section name="435 Split" id="{21BC7AB5-11D2-45D3-A564-8CFBF67042E5}">
           <p14:sldIdLst>
             <p14:sldId id="257"/>
+          </p14:sldIdLst>
+        </p14:section>
+        <p14:section name="MicroMotion 调节" id="{04867EEE-EB05-4ADA-963B-76E53C34DD1C}">
+          <p14:sldIdLst>
             <p14:sldId id="256"/>
           </p14:sldIdLst>
         </p14:section>
       </p14:sectionLst>
+    </p:ext>
+    <p:ext uri="{EFAFB233-063F-42B5-8137-9DF3F51BA10A}">
+      <p15:sldGuideLst xmlns:p15="http://schemas.microsoft.com/office/powerpoint/2012/main"/>
     </p:ext>
   </p:extLst>
 </p:presentation>
@@ -1729,7 +1736,7 @@
           <a:p>
             <a:fld id="{FEE486E6-D3CA-43C3-9D4F-E34C4AFD1D3C}" type="datetimeFigureOut">
               <a:rPr lang="zh-CN" altLang="en-US" smtClean="0"/>
-              <a:t>2021/1/29</a:t>
+              <a:t>2021/1/30</a:t>
             </a:fld>
             <a:endParaRPr lang="zh-CN" altLang="en-US"/>
           </a:p>
@@ -1927,7 +1934,7 @@
           <a:p>
             <a:fld id="{FEE486E6-D3CA-43C3-9D4F-E34C4AFD1D3C}" type="datetimeFigureOut">
               <a:rPr lang="zh-CN" altLang="en-US" smtClean="0"/>
-              <a:t>2021/1/29</a:t>
+              <a:t>2021/1/30</a:t>
             </a:fld>
             <a:endParaRPr lang="zh-CN" altLang="en-US"/>
           </a:p>
@@ -2135,7 +2142,7 @@
           <a:p>
             <a:fld id="{FEE486E6-D3CA-43C3-9D4F-E34C4AFD1D3C}" type="datetimeFigureOut">
               <a:rPr lang="zh-CN" altLang="en-US" smtClean="0"/>
-              <a:t>2021/1/29</a:t>
+              <a:t>2021/1/30</a:t>
             </a:fld>
             <a:endParaRPr lang="zh-CN" altLang="en-US"/>
           </a:p>
@@ -2333,7 +2340,7 @@
           <a:p>
             <a:fld id="{FEE486E6-D3CA-43C3-9D4F-E34C4AFD1D3C}" type="datetimeFigureOut">
               <a:rPr lang="zh-CN" altLang="en-US" smtClean="0"/>
-              <a:t>2021/1/29</a:t>
+              <a:t>2021/1/30</a:t>
             </a:fld>
             <a:endParaRPr lang="zh-CN" altLang="en-US"/>
           </a:p>
@@ -2608,7 +2615,7 @@
           <a:p>
             <a:fld id="{FEE486E6-D3CA-43C3-9D4F-E34C4AFD1D3C}" type="datetimeFigureOut">
               <a:rPr lang="zh-CN" altLang="en-US" smtClean="0"/>
-              <a:t>2021/1/29</a:t>
+              <a:t>2021/1/30</a:t>
             </a:fld>
             <a:endParaRPr lang="zh-CN" altLang="en-US"/>
           </a:p>
@@ -2873,7 +2880,7 @@
           <a:p>
             <a:fld id="{FEE486E6-D3CA-43C3-9D4F-E34C4AFD1D3C}" type="datetimeFigureOut">
               <a:rPr lang="zh-CN" altLang="en-US" smtClean="0"/>
-              <a:t>2021/1/29</a:t>
+              <a:t>2021/1/30</a:t>
             </a:fld>
             <a:endParaRPr lang="zh-CN" altLang="en-US"/>
           </a:p>
@@ -3285,7 +3292,7 @@
           <a:p>
             <a:fld id="{FEE486E6-D3CA-43C3-9D4F-E34C4AFD1D3C}" type="datetimeFigureOut">
               <a:rPr lang="zh-CN" altLang="en-US" smtClean="0"/>
-              <a:t>2021/1/29</a:t>
+              <a:t>2021/1/30</a:t>
             </a:fld>
             <a:endParaRPr lang="zh-CN" altLang="en-US"/>
           </a:p>
@@ -3426,7 +3433,7 @@
           <a:p>
             <a:fld id="{FEE486E6-D3CA-43C3-9D4F-E34C4AFD1D3C}" type="datetimeFigureOut">
               <a:rPr lang="zh-CN" altLang="en-US" smtClean="0"/>
-              <a:t>2021/1/29</a:t>
+              <a:t>2021/1/30</a:t>
             </a:fld>
             <a:endParaRPr lang="zh-CN" altLang="en-US"/>
           </a:p>
@@ -3539,7 +3546,7 @@
           <a:p>
             <a:fld id="{FEE486E6-D3CA-43C3-9D4F-E34C4AFD1D3C}" type="datetimeFigureOut">
               <a:rPr lang="zh-CN" altLang="en-US" smtClean="0"/>
-              <a:t>2021/1/29</a:t>
+              <a:t>2021/1/30</a:t>
             </a:fld>
             <a:endParaRPr lang="zh-CN" altLang="en-US"/>
           </a:p>
@@ -3850,7 +3857,7 @@
           <a:p>
             <a:fld id="{FEE486E6-D3CA-43C3-9D4F-E34C4AFD1D3C}" type="datetimeFigureOut">
               <a:rPr lang="zh-CN" altLang="en-US" smtClean="0"/>
-              <a:t>2021/1/29</a:t>
+              <a:t>2021/1/30</a:t>
             </a:fld>
             <a:endParaRPr lang="zh-CN" altLang="en-US"/>
           </a:p>
@@ -4138,7 +4145,7 @@
           <a:p>
             <a:fld id="{FEE486E6-D3CA-43C3-9D4F-E34C4AFD1D3C}" type="datetimeFigureOut">
               <a:rPr lang="zh-CN" altLang="en-US" smtClean="0"/>
-              <a:t>2021/1/29</a:t>
+              <a:t>2021/1/30</a:t>
             </a:fld>
             <a:endParaRPr lang="zh-CN" altLang="en-US"/>
           </a:p>
@@ -4379,7 +4386,7 @@
           <a:p>
             <a:fld id="{FEE486E6-D3CA-43C3-9D4F-E34C4AFD1D3C}" type="datetimeFigureOut">
               <a:rPr lang="zh-CN" altLang="en-US" smtClean="0"/>
-              <a:t>2021/1/29</a:t>
+              <a:t>2021/1/30</a:t>
             </a:fld>
             <a:endParaRPr lang="zh-CN" altLang="en-US"/>
           </a:p>
@@ -4856,6 +4863,900 @@
           <a:chExt cx="0" cy="0"/>
         </a:xfrm>
       </p:grpSpPr>
+      <p:pic>
+        <p:nvPicPr>
+          <p:cNvPr id="3" name="图片 2">
+            <a:extLst>
+              <a:ext uri="{FF2B5EF4-FFF2-40B4-BE49-F238E27FC236}">
+                <a16:creationId xmlns:a16="http://schemas.microsoft.com/office/drawing/2014/main" id="{F3CA09EA-5D28-46C4-B44B-3837CA125450}"/>
+              </a:ext>
+            </a:extLst>
+          </p:cNvPr>
+          <p:cNvPicPr>
+            <a:picLocks noChangeAspect="1"/>
+          </p:cNvPicPr>
+          <p:nvPr/>
+        </p:nvPicPr>
+        <p:blipFill>
+          <a:blip r:embed="rId2">
+            <a:extLst>
+              <a:ext uri="{28A0092B-C50C-407E-A947-70E740481C1C}">
+                <a14:useLocalDpi xmlns:a14="http://schemas.microsoft.com/office/drawing/2010/main" val="0"/>
+              </a:ext>
+            </a:extLst>
+          </a:blip>
+          <a:stretch>
+            <a:fillRect/>
+          </a:stretch>
+        </p:blipFill>
+        <p:spPr>
+          <a:xfrm>
+            <a:off x="0" y="0"/>
+            <a:ext cx="4240702" cy="3154022"/>
+          </a:xfrm>
+          <a:prstGeom prst="rect">
+            <a:avLst/>
+          </a:prstGeom>
+        </p:spPr>
+      </p:pic>
+      <mc:AlternateContent xmlns:mc="http://schemas.openxmlformats.org/markup-compatibility/2006">
+        <mc:Choice xmlns:a14="http://schemas.microsoft.com/office/drawing/2010/main" Requires="a14">
+          <p:sp>
+            <p:nvSpPr>
+              <p:cNvPr id="4" name="文本框 3">
+                <a:extLst>
+                  <a:ext uri="{FF2B5EF4-FFF2-40B4-BE49-F238E27FC236}">
+                    <a16:creationId xmlns:a16="http://schemas.microsoft.com/office/drawing/2014/main" id="{1A9E6691-FF8E-4F95-AD54-96D88683E15C}"/>
+                  </a:ext>
+                </a:extLst>
+              </p:cNvPr>
+              <p:cNvSpPr txBox="1"/>
+              <p:nvPr/>
+            </p:nvSpPr>
+            <p:spPr>
+              <a:xfrm>
+                <a:off x="2464901" y="419212"/>
+                <a:ext cx="1510748" cy="338554"/>
+              </a:xfrm>
+              <a:prstGeom prst="rect">
+                <a:avLst/>
+              </a:prstGeom>
+              <a:noFill/>
+            </p:spPr>
+            <p:txBody>
+              <a:bodyPr wrap="square" rtlCol="0">
+                <a:spAutoFit/>
+              </a:bodyPr>
+              <a:lstStyle/>
+              <a:p>
+                <a14:m>
+                  <m:oMathPara xmlns:m="http://schemas.openxmlformats.org/officeDocument/2006/math">
+                    <m:oMathParaPr>
+                      <m:jc m:val="centerGroup"/>
+                    </m:oMathParaPr>
+                    <m:oMath xmlns:m="http://schemas.openxmlformats.org/officeDocument/2006/math">
+                      <m:r>
+                        <m:rPr>
+                          <m:sty m:val="p"/>
+                        </m:rPr>
+                        <a:rPr lang="en-US" altLang="zh-CN" sz="1600" i="1" smtClean="0">
+                          <a:latin typeface="Cambria Math" panose="02040503050406030204" pitchFamily="18" charset="0"/>
+                        </a:rPr>
+                        <m:t>b</m:t>
+                      </m:r>
+                      <m:r>
+                        <m:rPr>
+                          <m:sty m:val="p"/>
+                        </m:rPr>
+                        <a:rPr lang="en-US" altLang="zh-CN" sz="1600" i="1">
+                          <a:latin typeface="Cambria Math" panose="02040503050406030204" pitchFamily="18" charset="0"/>
+                        </a:rPr>
+                        <m:t>ias</m:t>
+                      </m:r>
+                      <m:r>
+                        <a:rPr lang="en-US" altLang="zh-CN" sz="1600" b="0" i="0" smtClean="0">
+                          <a:latin typeface="Cambria Math" panose="02040503050406030204" pitchFamily="18" charset="0"/>
+                        </a:rPr>
+                        <m:t>=0.05</m:t>
+                      </m:r>
+                    </m:oMath>
+                  </m:oMathPara>
+                </a14:m>
+                <a:endParaRPr lang="zh-CN" altLang="en-US" dirty="0"/>
+              </a:p>
+            </p:txBody>
+          </p:sp>
+        </mc:Choice>
+        <mc:Fallback>
+          <p:sp>
+            <p:nvSpPr>
+              <p:cNvPr id="4" name="文本框 3">
+                <a:extLst>
+                  <a:ext uri="{FF2B5EF4-FFF2-40B4-BE49-F238E27FC236}">
+                    <a16:creationId xmlns:a16="http://schemas.microsoft.com/office/drawing/2014/main" id="{1A9E6691-FF8E-4F95-AD54-96D88683E15C}"/>
+                  </a:ext>
+                </a:extLst>
+              </p:cNvPr>
+              <p:cNvSpPr txBox="1">
+                <a:spLocks noRot="1" noChangeAspect="1" noMove="1" noResize="1" noEditPoints="1" noAdjustHandles="1" noChangeArrowheads="1" noChangeShapeType="1" noTextEdit="1"/>
+              </p:cNvSpPr>
+              <p:nvPr/>
+            </p:nvSpPr>
+            <p:spPr>
+              <a:xfrm>
+                <a:off x="2464901" y="419212"/>
+                <a:ext cx="1510748" cy="338554"/>
+              </a:xfrm>
+              <a:prstGeom prst="rect">
+                <a:avLst/>
+              </a:prstGeom>
+              <a:blipFill>
+                <a:blip r:embed="rId3"/>
+                <a:stretch>
+                  <a:fillRect/>
+                </a:stretch>
+              </a:blipFill>
+            </p:spPr>
+            <p:txBody>
+              <a:bodyPr/>
+              <a:lstStyle/>
+              <a:p>
+                <a:r>
+                  <a:rPr lang="zh-CN" altLang="en-US">
+                    <a:noFill/>
+                  </a:rPr>
+                  <a:t> </a:t>
+                </a:r>
+              </a:p>
+            </p:txBody>
+          </p:sp>
+        </mc:Fallback>
+      </mc:AlternateContent>
+      <p:pic>
+        <p:nvPicPr>
+          <p:cNvPr id="6" name="图片 5">
+            <a:extLst>
+              <a:ext uri="{FF2B5EF4-FFF2-40B4-BE49-F238E27FC236}">
+                <a16:creationId xmlns:a16="http://schemas.microsoft.com/office/drawing/2014/main" id="{C7660D2E-E133-4A28-BFA2-5A5962134F94}"/>
+              </a:ext>
+            </a:extLst>
+          </p:cNvPr>
+          <p:cNvPicPr>
+            <a:picLocks noChangeAspect="1"/>
+          </p:cNvPicPr>
+          <p:nvPr/>
+        </p:nvPicPr>
+        <p:blipFill>
+          <a:blip r:embed="rId4">
+            <a:extLst>
+              <a:ext uri="{28A0092B-C50C-407E-A947-70E740481C1C}">
+                <a14:useLocalDpi xmlns:a14="http://schemas.microsoft.com/office/drawing/2010/main" val="0"/>
+              </a:ext>
+            </a:extLst>
+          </a:blip>
+          <a:stretch>
+            <a:fillRect/>
+          </a:stretch>
+        </p:blipFill>
+        <p:spPr>
+          <a:xfrm>
+            <a:off x="3975649" y="0"/>
+            <a:ext cx="4240701" cy="3154022"/>
+          </a:xfrm>
+          <a:prstGeom prst="rect">
+            <a:avLst/>
+          </a:prstGeom>
+        </p:spPr>
+      </p:pic>
+      <mc:AlternateContent xmlns:mc="http://schemas.openxmlformats.org/markup-compatibility/2006">
+        <mc:Choice xmlns:a14="http://schemas.microsoft.com/office/drawing/2010/main" Requires="a14">
+          <p:sp>
+            <p:nvSpPr>
+              <p:cNvPr id="7" name="文本框 6">
+                <a:extLst>
+                  <a:ext uri="{FF2B5EF4-FFF2-40B4-BE49-F238E27FC236}">
+                    <a16:creationId xmlns:a16="http://schemas.microsoft.com/office/drawing/2014/main" id="{B795696F-87CC-4A75-918E-AACFD5E63FEA}"/>
+                  </a:ext>
+                </a:extLst>
+              </p:cNvPr>
+              <p:cNvSpPr txBox="1"/>
+              <p:nvPr/>
+            </p:nvSpPr>
+            <p:spPr>
+              <a:xfrm>
+                <a:off x="6440550" y="419212"/>
+                <a:ext cx="1510748" cy="338554"/>
+              </a:xfrm>
+              <a:prstGeom prst="rect">
+                <a:avLst/>
+              </a:prstGeom>
+              <a:noFill/>
+            </p:spPr>
+            <p:txBody>
+              <a:bodyPr wrap="square" rtlCol="0">
+                <a:spAutoFit/>
+              </a:bodyPr>
+              <a:lstStyle/>
+              <a:p>
+                <a14:m>
+                  <m:oMathPara xmlns:m="http://schemas.openxmlformats.org/officeDocument/2006/math">
+                    <m:oMathParaPr>
+                      <m:jc m:val="centerGroup"/>
+                    </m:oMathParaPr>
+                    <m:oMath xmlns:m="http://schemas.openxmlformats.org/officeDocument/2006/math">
+                      <m:r>
+                        <m:rPr>
+                          <m:sty m:val="p"/>
+                        </m:rPr>
+                        <a:rPr lang="en-US" altLang="zh-CN" sz="1600" i="1" smtClean="0">
+                          <a:latin typeface="Cambria Math" panose="02040503050406030204" pitchFamily="18" charset="0"/>
+                        </a:rPr>
+                        <m:t>b</m:t>
+                      </m:r>
+                      <m:r>
+                        <m:rPr>
+                          <m:sty m:val="p"/>
+                        </m:rPr>
+                        <a:rPr lang="en-US" altLang="zh-CN" sz="1600" i="1">
+                          <a:latin typeface="Cambria Math" panose="02040503050406030204" pitchFamily="18" charset="0"/>
+                        </a:rPr>
+                        <m:t>ias</m:t>
+                      </m:r>
+                      <m:r>
+                        <a:rPr lang="en-US" altLang="zh-CN" sz="1600" b="0" i="0" smtClean="0">
+                          <a:latin typeface="Cambria Math" panose="02040503050406030204" pitchFamily="18" charset="0"/>
+                        </a:rPr>
+                        <m:t>=0.08</m:t>
+                      </m:r>
+                    </m:oMath>
+                  </m:oMathPara>
+                </a14:m>
+                <a:endParaRPr lang="zh-CN" altLang="en-US" dirty="0"/>
+              </a:p>
+            </p:txBody>
+          </p:sp>
+        </mc:Choice>
+        <mc:Fallback>
+          <p:sp>
+            <p:nvSpPr>
+              <p:cNvPr id="7" name="文本框 6">
+                <a:extLst>
+                  <a:ext uri="{FF2B5EF4-FFF2-40B4-BE49-F238E27FC236}">
+                    <a16:creationId xmlns:a16="http://schemas.microsoft.com/office/drawing/2014/main" id="{B795696F-87CC-4A75-918E-AACFD5E63FEA}"/>
+                  </a:ext>
+                </a:extLst>
+              </p:cNvPr>
+              <p:cNvSpPr txBox="1">
+                <a:spLocks noRot="1" noChangeAspect="1" noMove="1" noResize="1" noEditPoints="1" noAdjustHandles="1" noChangeArrowheads="1" noChangeShapeType="1" noTextEdit="1"/>
+              </p:cNvSpPr>
+              <p:nvPr/>
+            </p:nvSpPr>
+            <p:spPr>
+              <a:xfrm>
+                <a:off x="6440550" y="419212"/>
+                <a:ext cx="1510748" cy="338554"/>
+              </a:xfrm>
+              <a:prstGeom prst="rect">
+                <a:avLst/>
+              </a:prstGeom>
+              <a:blipFill>
+                <a:blip r:embed="rId5"/>
+                <a:stretch>
+                  <a:fillRect/>
+                </a:stretch>
+              </a:blipFill>
+            </p:spPr>
+            <p:txBody>
+              <a:bodyPr/>
+              <a:lstStyle/>
+              <a:p>
+                <a:r>
+                  <a:rPr lang="zh-CN" altLang="en-US">
+                    <a:noFill/>
+                  </a:rPr>
+                  <a:t> </a:t>
+                </a:r>
+              </a:p>
+            </p:txBody>
+          </p:sp>
+        </mc:Fallback>
+      </mc:AlternateContent>
+      <p:pic>
+        <p:nvPicPr>
+          <p:cNvPr id="9" name="图片 8">
+            <a:extLst>
+              <a:ext uri="{FF2B5EF4-FFF2-40B4-BE49-F238E27FC236}">
+                <a16:creationId xmlns:a16="http://schemas.microsoft.com/office/drawing/2014/main" id="{C4D8C3F0-CC2C-4340-A188-FBBBD86E8C18}"/>
+              </a:ext>
+            </a:extLst>
+          </p:cNvPr>
+          <p:cNvPicPr>
+            <a:picLocks noChangeAspect="1"/>
+          </p:cNvPicPr>
+          <p:nvPr/>
+        </p:nvPicPr>
+        <p:blipFill>
+          <a:blip r:embed="rId6">
+            <a:extLst>
+              <a:ext uri="{28A0092B-C50C-407E-A947-70E740481C1C}">
+                <a14:useLocalDpi xmlns:a14="http://schemas.microsoft.com/office/drawing/2010/main" val="0"/>
+              </a:ext>
+            </a:extLst>
+          </a:blip>
+          <a:stretch>
+            <a:fillRect/>
+          </a:stretch>
+        </p:blipFill>
+        <p:spPr>
+          <a:xfrm>
+            <a:off x="7951298" y="0"/>
+            <a:ext cx="4240702" cy="3154022"/>
+          </a:xfrm>
+          <a:prstGeom prst="rect">
+            <a:avLst/>
+          </a:prstGeom>
+        </p:spPr>
+      </p:pic>
+      <mc:AlternateContent xmlns:mc="http://schemas.openxmlformats.org/markup-compatibility/2006">
+        <mc:Choice xmlns:a14="http://schemas.microsoft.com/office/drawing/2010/main" Requires="a14">
+          <p:sp>
+            <p:nvSpPr>
+              <p:cNvPr id="10" name="文本框 9">
+                <a:extLst>
+                  <a:ext uri="{FF2B5EF4-FFF2-40B4-BE49-F238E27FC236}">
+                    <a16:creationId xmlns:a16="http://schemas.microsoft.com/office/drawing/2014/main" id="{511DB156-CF12-4423-A8D7-9AB8875DC5D9}"/>
+                  </a:ext>
+                </a:extLst>
+              </p:cNvPr>
+              <p:cNvSpPr txBox="1"/>
+              <p:nvPr/>
+            </p:nvSpPr>
+            <p:spPr>
+              <a:xfrm>
+                <a:off x="10416198" y="419212"/>
+                <a:ext cx="1510748" cy="338554"/>
+              </a:xfrm>
+              <a:prstGeom prst="rect">
+                <a:avLst/>
+              </a:prstGeom>
+              <a:noFill/>
+            </p:spPr>
+            <p:txBody>
+              <a:bodyPr wrap="square" rtlCol="0">
+                <a:spAutoFit/>
+              </a:bodyPr>
+              <a:lstStyle/>
+              <a:p>
+                <a14:m>
+                  <m:oMathPara xmlns:m="http://schemas.openxmlformats.org/officeDocument/2006/math">
+                    <m:oMathParaPr>
+                      <m:jc m:val="centerGroup"/>
+                    </m:oMathParaPr>
+                    <m:oMath xmlns:m="http://schemas.openxmlformats.org/officeDocument/2006/math">
+                      <m:r>
+                        <m:rPr>
+                          <m:sty m:val="p"/>
+                        </m:rPr>
+                        <a:rPr lang="en-US" altLang="zh-CN" sz="1600" i="1" smtClean="0">
+                          <a:latin typeface="Cambria Math" panose="02040503050406030204" pitchFamily="18" charset="0"/>
+                        </a:rPr>
+                        <m:t>b</m:t>
+                      </m:r>
+                      <m:r>
+                        <m:rPr>
+                          <m:sty m:val="p"/>
+                        </m:rPr>
+                        <a:rPr lang="en-US" altLang="zh-CN" sz="1600" i="1">
+                          <a:latin typeface="Cambria Math" panose="02040503050406030204" pitchFamily="18" charset="0"/>
+                        </a:rPr>
+                        <m:t>ias</m:t>
+                      </m:r>
+                      <m:r>
+                        <a:rPr lang="en-US" altLang="zh-CN" sz="1600" b="0" i="0" smtClean="0">
+                          <a:latin typeface="Cambria Math" panose="02040503050406030204" pitchFamily="18" charset="0"/>
+                        </a:rPr>
+                        <m:t>=0.085</m:t>
+                      </m:r>
+                    </m:oMath>
+                  </m:oMathPara>
+                </a14:m>
+                <a:endParaRPr lang="zh-CN" altLang="en-US" dirty="0"/>
+              </a:p>
+            </p:txBody>
+          </p:sp>
+        </mc:Choice>
+        <mc:Fallback>
+          <p:sp>
+            <p:nvSpPr>
+              <p:cNvPr id="10" name="文本框 9">
+                <a:extLst>
+                  <a:ext uri="{FF2B5EF4-FFF2-40B4-BE49-F238E27FC236}">
+                    <a16:creationId xmlns:a16="http://schemas.microsoft.com/office/drawing/2014/main" id="{511DB156-CF12-4423-A8D7-9AB8875DC5D9}"/>
+                  </a:ext>
+                </a:extLst>
+              </p:cNvPr>
+              <p:cNvSpPr txBox="1">
+                <a:spLocks noRot="1" noChangeAspect="1" noMove="1" noResize="1" noEditPoints="1" noAdjustHandles="1" noChangeArrowheads="1" noChangeShapeType="1" noTextEdit="1"/>
+              </p:cNvSpPr>
+              <p:nvPr/>
+            </p:nvSpPr>
+            <p:spPr>
+              <a:xfrm>
+                <a:off x="10416198" y="419212"/>
+                <a:ext cx="1510748" cy="338554"/>
+              </a:xfrm>
+              <a:prstGeom prst="rect">
+                <a:avLst/>
+              </a:prstGeom>
+              <a:blipFill>
+                <a:blip r:embed="rId7"/>
+                <a:stretch>
+                  <a:fillRect/>
+                </a:stretch>
+              </a:blipFill>
+            </p:spPr>
+            <p:txBody>
+              <a:bodyPr/>
+              <a:lstStyle/>
+              <a:p>
+                <a:r>
+                  <a:rPr lang="zh-CN" altLang="en-US">
+                    <a:noFill/>
+                  </a:rPr>
+                  <a:t> </a:t>
+                </a:r>
+              </a:p>
+            </p:txBody>
+          </p:sp>
+        </mc:Fallback>
+      </mc:AlternateContent>
+      <p:pic>
+        <p:nvPicPr>
+          <p:cNvPr id="12" name="图片 11">
+            <a:extLst>
+              <a:ext uri="{FF2B5EF4-FFF2-40B4-BE49-F238E27FC236}">
+                <a16:creationId xmlns:a16="http://schemas.microsoft.com/office/drawing/2014/main" id="{7D601DF3-4026-462D-979A-4BFF1733E40D}"/>
+              </a:ext>
+            </a:extLst>
+          </p:cNvPr>
+          <p:cNvPicPr>
+            <a:picLocks noChangeAspect="1"/>
+          </p:cNvPicPr>
+          <p:nvPr/>
+        </p:nvPicPr>
+        <p:blipFill>
+          <a:blip r:embed="rId8">
+            <a:extLst>
+              <a:ext uri="{28A0092B-C50C-407E-A947-70E740481C1C}">
+                <a14:useLocalDpi xmlns:a14="http://schemas.microsoft.com/office/drawing/2010/main" val="0"/>
+              </a:ext>
+            </a:extLst>
+          </a:blip>
+          <a:stretch>
+            <a:fillRect/>
+          </a:stretch>
+        </p:blipFill>
+        <p:spPr>
+          <a:xfrm>
+            <a:off x="0" y="3284766"/>
+            <a:ext cx="4240701" cy="3154022"/>
+          </a:xfrm>
+          <a:prstGeom prst="rect">
+            <a:avLst/>
+          </a:prstGeom>
+        </p:spPr>
+      </p:pic>
+      <mc:AlternateContent xmlns:mc="http://schemas.openxmlformats.org/markup-compatibility/2006">
+        <mc:Choice xmlns:a14="http://schemas.microsoft.com/office/drawing/2010/main" Requires="a14">
+          <p:sp>
+            <p:nvSpPr>
+              <p:cNvPr id="13" name="文本框 12">
+                <a:extLst>
+                  <a:ext uri="{FF2B5EF4-FFF2-40B4-BE49-F238E27FC236}">
+                    <a16:creationId xmlns:a16="http://schemas.microsoft.com/office/drawing/2014/main" id="{414A84AE-6DDD-42EB-AFE7-81A9CAD3FFDD}"/>
+                  </a:ext>
+                </a:extLst>
+              </p:cNvPr>
+              <p:cNvSpPr txBox="1"/>
+              <p:nvPr/>
+            </p:nvSpPr>
+            <p:spPr>
+              <a:xfrm>
+                <a:off x="2373461" y="3721212"/>
+                <a:ext cx="1510748" cy="338554"/>
+              </a:xfrm>
+              <a:prstGeom prst="rect">
+                <a:avLst/>
+              </a:prstGeom>
+              <a:noFill/>
+            </p:spPr>
+            <p:txBody>
+              <a:bodyPr wrap="square" rtlCol="0">
+                <a:spAutoFit/>
+              </a:bodyPr>
+              <a:lstStyle/>
+              <a:p>
+                <a14:m>
+                  <m:oMathPara xmlns:m="http://schemas.openxmlformats.org/officeDocument/2006/math">
+                    <m:oMathParaPr>
+                      <m:jc m:val="centerGroup"/>
+                    </m:oMathParaPr>
+                    <m:oMath xmlns:m="http://schemas.openxmlformats.org/officeDocument/2006/math">
+                      <m:r>
+                        <m:rPr>
+                          <m:sty m:val="p"/>
+                        </m:rPr>
+                        <a:rPr lang="en-US" altLang="zh-CN" sz="1600" i="1" smtClean="0">
+                          <a:latin typeface="Cambria Math" panose="02040503050406030204" pitchFamily="18" charset="0"/>
+                        </a:rPr>
+                        <m:t>b</m:t>
+                      </m:r>
+                      <m:r>
+                        <m:rPr>
+                          <m:sty m:val="p"/>
+                        </m:rPr>
+                        <a:rPr lang="en-US" altLang="zh-CN" sz="1600" i="1">
+                          <a:latin typeface="Cambria Math" panose="02040503050406030204" pitchFamily="18" charset="0"/>
+                        </a:rPr>
+                        <m:t>ias</m:t>
+                      </m:r>
+                      <m:r>
+                        <a:rPr lang="en-US" altLang="zh-CN" sz="1600" b="0" i="0" smtClean="0">
+                          <a:latin typeface="Cambria Math" panose="02040503050406030204" pitchFamily="18" charset="0"/>
+                        </a:rPr>
+                        <m:t>=0.0875</m:t>
+                      </m:r>
+                    </m:oMath>
+                  </m:oMathPara>
+                </a14:m>
+                <a:endParaRPr lang="zh-CN" altLang="en-US" dirty="0"/>
+              </a:p>
+            </p:txBody>
+          </p:sp>
+        </mc:Choice>
+        <mc:Fallback>
+          <p:sp>
+            <p:nvSpPr>
+              <p:cNvPr id="13" name="文本框 12">
+                <a:extLst>
+                  <a:ext uri="{FF2B5EF4-FFF2-40B4-BE49-F238E27FC236}">
+                    <a16:creationId xmlns:a16="http://schemas.microsoft.com/office/drawing/2014/main" id="{414A84AE-6DDD-42EB-AFE7-81A9CAD3FFDD}"/>
+                  </a:ext>
+                </a:extLst>
+              </p:cNvPr>
+              <p:cNvSpPr txBox="1">
+                <a:spLocks noRot="1" noChangeAspect="1" noMove="1" noResize="1" noEditPoints="1" noAdjustHandles="1" noChangeArrowheads="1" noChangeShapeType="1" noTextEdit="1"/>
+              </p:cNvSpPr>
+              <p:nvPr/>
+            </p:nvSpPr>
+            <p:spPr>
+              <a:xfrm>
+                <a:off x="2373461" y="3721212"/>
+                <a:ext cx="1510748" cy="338554"/>
+              </a:xfrm>
+              <a:prstGeom prst="rect">
+                <a:avLst/>
+              </a:prstGeom>
+              <a:blipFill>
+                <a:blip r:embed="rId9"/>
+                <a:stretch>
+                  <a:fillRect/>
+                </a:stretch>
+              </a:blipFill>
+            </p:spPr>
+            <p:txBody>
+              <a:bodyPr/>
+              <a:lstStyle/>
+              <a:p>
+                <a:r>
+                  <a:rPr lang="zh-CN" altLang="en-US">
+                    <a:noFill/>
+                  </a:rPr>
+                  <a:t> </a:t>
+                </a:r>
+              </a:p>
+            </p:txBody>
+          </p:sp>
+        </mc:Fallback>
+      </mc:AlternateContent>
+      <p:pic>
+        <p:nvPicPr>
+          <p:cNvPr id="15" name="图片 14">
+            <a:extLst>
+              <a:ext uri="{FF2B5EF4-FFF2-40B4-BE49-F238E27FC236}">
+                <a16:creationId xmlns:a16="http://schemas.microsoft.com/office/drawing/2014/main" id="{30A2EE39-4C77-48E8-8F03-C8FD7BD14302}"/>
+              </a:ext>
+            </a:extLst>
+          </p:cNvPr>
+          <p:cNvPicPr>
+            <a:picLocks noChangeAspect="1"/>
+          </p:cNvPicPr>
+          <p:nvPr/>
+        </p:nvPicPr>
+        <p:blipFill>
+          <a:blip r:embed="rId10">
+            <a:extLst>
+              <a:ext uri="{28A0092B-C50C-407E-A947-70E740481C1C}">
+                <a14:useLocalDpi xmlns:a14="http://schemas.microsoft.com/office/drawing/2010/main" val="0"/>
+              </a:ext>
+            </a:extLst>
+          </a:blip>
+          <a:stretch>
+            <a:fillRect/>
+          </a:stretch>
+        </p:blipFill>
+        <p:spPr>
+          <a:xfrm>
+            <a:off x="3975649" y="3284766"/>
+            <a:ext cx="4240702" cy="3154022"/>
+          </a:xfrm>
+          <a:prstGeom prst="rect">
+            <a:avLst/>
+          </a:prstGeom>
+        </p:spPr>
+      </p:pic>
+      <p:pic>
+        <p:nvPicPr>
+          <p:cNvPr id="17" name="图片 16">
+            <a:extLst>
+              <a:ext uri="{FF2B5EF4-FFF2-40B4-BE49-F238E27FC236}">
+                <a16:creationId xmlns:a16="http://schemas.microsoft.com/office/drawing/2014/main" id="{F6E2D2B4-A241-42D8-A179-A3BD471AB660}"/>
+              </a:ext>
+            </a:extLst>
+          </p:cNvPr>
+          <p:cNvPicPr>
+            <a:picLocks noChangeAspect="1"/>
+          </p:cNvPicPr>
+          <p:nvPr/>
+        </p:nvPicPr>
+        <p:blipFill>
+          <a:blip r:embed="rId11">
+            <a:extLst>
+              <a:ext uri="{28A0092B-C50C-407E-A947-70E740481C1C}">
+                <a14:useLocalDpi xmlns:a14="http://schemas.microsoft.com/office/drawing/2010/main" val="0"/>
+              </a:ext>
+            </a:extLst>
+          </a:blip>
+          <a:stretch>
+            <a:fillRect/>
+          </a:stretch>
+        </p:blipFill>
+        <p:spPr>
+          <a:xfrm>
+            <a:off x="7859858" y="3284766"/>
+            <a:ext cx="4294838" cy="3154022"/>
+          </a:xfrm>
+          <a:prstGeom prst="rect">
+            <a:avLst/>
+          </a:prstGeom>
+        </p:spPr>
+      </p:pic>
+      <mc:AlternateContent xmlns:mc="http://schemas.openxmlformats.org/markup-compatibility/2006">
+        <mc:Choice xmlns:a14="http://schemas.microsoft.com/office/drawing/2010/main" Requires="a14">
+          <p:sp>
+            <p:nvSpPr>
+              <p:cNvPr id="18" name="文本框 17">
+                <a:extLst>
+                  <a:ext uri="{FF2B5EF4-FFF2-40B4-BE49-F238E27FC236}">
+                    <a16:creationId xmlns:a16="http://schemas.microsoft.com/office/drawing/2014/main" id="{E603E4BA-6FCA-438E-BE9B-F50715586B8A}"/>
+                  </a:ext>
+                </a:extLst>
+              </p:cNvPr>
+              <p:cNvSpPr txBox="1"/>
+              <p:nvPr/>
+            </p:nvSpPr>
+            <p:spPr>
+              <a:xfrm>
+                <a:off x="6349110" y="3721212"/>
+                <a:ext cx="1510748" cy="338554"/>
+              </a:xfrm>
+              <a:prstGeom prst="rect">
+                <a:avLst/>
+              </a:prstGeom>
+              <a:noFill/>
+            </p:spPr>
+            <p:txBody>
+              <a:bodyPr wrap="square" rtlCol="0">
+                <a:spAutoFit/>
+              </a:bodyPr>
+              <a:lstStyle/>
+              <a:p>
+                <a14:m>
+                  <m:oMathPara xmlns:m="http://schemas.openxmlformats.org/officeDocument/2006/math">
+                    <m:oMathParaPr>
+                      <m:jc m:val="centerGroup"/>
+                    </m:oMathParaPr>
+                    <m:oMath xmlns:m="http://schemas.openxmlformats.org/officeDocument/2006/math">
+                      <m:r>
+                        <m:rPr>
+                          <m:sty m:val="p"/>
+                        </m:rPr>
+                        <a:rPr lang="en-US" altLang="zh-CN" sz="1600" i="1" smtClean="0">
+                          <a:latin typeface="Cambria Math" panose="02040503050406030204" pitchFamily="18" charset="0"/>
+                        </a:rPr>
+                        <m:t>b</m:t>
+                      </m:r>
+                      <m:r>
+                        <m:rPr>
+                          <m:sty m:val="p"/>
+                        </m:rPr>
+                        <a:rPr lang="en-US" altLang="zh-CN" sz="1600" i="1">
+                          <a:latin typeface="Cambria Math" panose="02040503050406030204" pitchFamily="18" charset="0"/>
+                        </a:rPr>
+                        <m:t>ias</m:t>
+                      </m:r>
+                      <m:r>
+                        <a:rPr lang="en-US" altLang="zh-CN" sz="1600" b="0" i="0" smtClean="0">
+                          <a:latin typeface="Cambria Math" panose="02040503050406030204" pitchFamily="18" charset="0"/>
+                        </a:rPr>
+                        <m:t>=0.10</m:t>
+                      </m:r>
+                    </m:oMath>
+                  </m:oMathPara>
+                </a14:m>
+                <a:endParaRPr lang="zh-CN" altLang="en-US" dirty="0"/>
+              </a:p>
+            </p:txBody>
+          </p:sp>
+        </mc:Choice>
+        <mc:Fallback>
+          <p:sp>
+            <p:nvSpPr>
+              <p:cNvPr id="18" name="文本框 17">
+                <a:extLst>
+                  <a:ext uri="{FF2B5EF4-FFF2-40B4-BE49-F238E27FC236}">
+                    <a16:creationId xmlns:a16="http://schemas.microsoft.com/office/drawing/2014/main" id="{E603E4BA-6FCA-438E-BE9B-F50715586B8A}"/>
+                  </a:ext>
+                </a:extLst>
+              </p:cNvPr>
+              <p:cNvSpPr txBox="1">
+                <a:spLocks noRot="1" noChangeAspect="1" noMove="1" noResize="1" noEditPoints="1" noAdjustHandles="1" noChangeArrowheads="1" noChangeShapeType="1" noTextEdit="1"/>
+              </p:cNvSpPr>
+              <p:nvPr/>
+            </p:nvSpPr>
+            <p:spPr>
+              <a:xfrm>
+                <a:off x="6349110" y="3721212"/>
+                <a:ext cx="1510748" cy="338554"/>
+              </a:xfrm>
+              <a:prstGeom prst="rect">
+                <a:avLst/>
+              </a:prstGeom>
+              <a:blipFill>
+                <a:blip r:embed="rId12"/>
+                <a:stretch>
+                  <a:fillRect/>
+                </a:stretch>
+              </a:blipFill>
+            </p:spPr>
+            <p:txBody>
+              <a:bodyPr/>
+              <a:lstStyle/>
+              <a:p>
+                <a:r>
+                  <a:rPr lang="zh-CN" altLang="en-US">
+                    <a:noFill/>
+                  </a:rPr>
+                  <a:t> </a:t>
+                </a:r>
+              </a:p>
+            </p:txBody>
+          </p:sp>
+        </mc:Fallback>
+      </mc:AlternateContent>
+      <mc:AlternateContent xmlns:mc="http://schemas.openxmlformats.org/markup-compatibility/2006">
+        <mc:Choice xmlns:a14="http://schemas.microsoft.com/office/drawing/2010/main" Requires="a14">
+          <p:sp>
+            <p:nvSpPr>
+              <p:cNvPr id="19" name="文本框 18">
+                <a:extLst>
+                  <a:ext uri="{FF2B5EF4-FFF2-40B4-BE49-F238E27FC236}">
+                    <a16:creationId xmlns:a16="http://schemas.microsoft.com/office/drawing/2014/main" id="{4F133529-A812-4F90-8754-5E845C6369B4}"/>
+                  </a:ext>
+                </a:extLst>
+              </p:cNvPr>
+              <p:cNvSpPr txBox="1"/>
+              <p:nvPr/>
+            </p:nvSpPr>
+            <p:spPr>
+              <a:xfrm>
+                <a:off x="10324760" y="3721212"/>
+                <a:ext cx="1510748" cy="338554"/>
+              </a:xfrm>
+              <a:prstGeom prst="rect">
+                <a:avLst/>
+              </a:prstGeom>
+              <a:noFill/>
+            </p:spPr>
+            <p:txBody>
+              <a:bodyPr wrap="square" rtlCol="0">
+                <a:spAutoFit/>
+              </a:bodyPr>
+              <a:lstStyle/>
+              <a:p>
+                <a14:m>
+                  <m:oMathPara xmlns:m="http://schemas.openxmlformats.org/officeDocument/2006/math">
+                    <m:oMathParaPr>
+                      <m:jc m:val="centerGroup"/>
+                    </m:oMathParaPr>
+                    <m:oMath xmlns:m="http://schemas.openxmlformats.org/officeDocument/2006/math">
+                      <m:r>
+                        <m:rPr>
+                          <m:sty m:val="p"/>
+                        </m:rPr>
+                        <a:rPr lang="en-US" altLang="zh-CN" sz="1600" i="1" smtClean="0">
+                          <a:latin typeface="Cambria Math" panose="02040503050406030204" pitchFamily="18" charset="0"/>
+                        </a:rPr>
+                        <m:t>b</m:t>
+                      </m:r>
+                      <m:r>
+                        <m:rPr>
+                          <m:sty m:val="p"/>
+                        </m:rPr>
+                        <a:rPr lang="en-US" altLang="zh-CN" sz="1600" i="1">
+                          <a:latin typeface="Cambria Math" panose="02040503050406030204" pitchFamily="18" charset="0"/>
+                        </a:rPr>
+                        <m:t>ias</m:t>
+                      </m:r>
+                      <m:r>
+                        <a:rPr lang="en-US" altLang="zh-CN" sz="1600" b="0" i="0" smtClean="0">
+                          <a:latin typeface="Cambria Math" panose="02040503050406030204" pitchFamily="18" charset="0"/>
+                        </a:rPr>
+                        <m:t>=0.12</m:t>
+                      </m:r>
+                    </m:oMath>
+                  </m:oMathPara>
+                </a14:m>
+                <a:endParaRPr lang="zh-CN" altLang="en-US" dirty="0"/>
+              </a:p>
+            </p:txBody>
+          </p:sp>
+        </mc:Choice>
+        <mc:Fallback>
+          <p:sp>
+            <p:nvSpPr>
+              <p:cNvPr id="19" name="文本框 18">
+                <a:extLst>
+                  <a:ext uri="{FF2B5EF4-FFF2-40B4-BE49-F238E27FC236}">
+                    <a16:creationId xmlns:a16="http://schemas.microsoft.com/office/drawing/2014/main" id="{4F133529-A812-4F90-8754-5E845C6369B4}"/>
+                  </a:ext>
+                </a:extLst>
+              </p:cNvPr>
+              <p:cNvSpPr txBox="1">
+                <a:spLocks noRot="1" noChangeAspect="1" noMove="1" noResize="1" noEditPoints="1" noAdjustHandles="1" noChangeArrowheads="1" noChangeShapeType="1" noTextEdit="1"/>
+              </p:cNvSpPr>
+              <p:nvPr/>
+            </p:nvSpPr>
+            <p:spPr>
+              <a:xfrm>
+                <a:off x="10324760" y="3721212"/>
+                <a:ext cx="1510748" cy="338554"/>
+              </a:xfrm>
+              <a:prstGeom prst="rect">
+                <a:avLst/>
+              </a:prstGeom>
+              <a:blipFill>
+                <a:blip r:embed="rId13"/>
+                <a:stretch>
+                  <a:fillRect/>
+                </a:stretch>
+              </a:blipFill>
+            </p:spPr>
+            <p:txBody>
+              <a:bodyPr/>
+              <a:lstStyle/>
+              <a:p>
+                <a:r>
+                  <a:rPr lang="zh-CN" altLang="en-US">
+                    <a:noFill/>
+                  </a:rPr>
+                  <a:t> </a:t>
+                </a:r>
+              </a:p>
+            </p:txBody>
+          </p:sp>
+        </mc:Fallback>
+      </mc:AlternateContent>
     </p:spTree>
     <p:extLst>
       <p:ext uri="{BB962C8B-B14F-4D97-AF65-F5344CB8AC3E}">
